--- a/documentos/Projeto Interdisciplinar Primeiro Semestre (Apresentação)/Projeto Interdisciplinar Primeiro Semestre (Apresentação).pptx
+++ b/documentos/Projeto Interdisciplinar Primeiro Semestre (Apresentação)/Projeto Interdisciplinar Primeiro Semestre (Apresentação).pptx
@@ -257,7 +257,7 @@
       <p15:sldGuideLst xmlns:p15="http://schemas.microsoft.com/office/powerpoint/2012/main"/>
     </p:ext>
     <p:ext uri="http://customooxmlschemas.google.com/">
-      <go:slidesCustomData xmlns="" xmlns:mc="http://schemas.openxmlformats.org/markup-compatibility/2006" xmlns:mv="urn:schemas-microsoft-com:mac:vml" xmlns:c="http://schemas.openxmlformats.org/drawingml/2006/chart" xmlns:dgm="http://schemas.openxmlformats.org/drawingml/2006/diagram" xmlns:o="urn:schemas-microsoft-com:office:office" xmlns:v="urn:schemas-microsoft-com:vml" xmlns:pvml="urn:schemas-microsoft-com:office:powerpoint" xmlns:com="http://schemas.openxmlformats.org/drawingml/2006/compatibility" xmlns:p14="http://schemas.microsoft.com/office/powerpoint/2010/main" xmlns:p15="http://schemas.microsoft.com/office/powerpoint/2012/main" xmlns:ahyp="http://schemas.microsoft.com/office/drawing/2018/hyperlinkcolor" xmlns:go="http://customooxmlschemas.google.com/" r:id="rId17" roundtripDataSignature="AMtx7mj+kIL44ryMi9kYpANJZEcy+ov0Hw=="/>
+      <go:slidesCustomData xmlns:go="http://customooxmlschemas.google.com/" xmlns:ahyp="http://schemas.microsoft.com/office/drawing/2018/hyperlinkcolor" xmlns:p15="http://schemas.microsoft.com/office/powerpoint/2012/main" xmlns:p14="http://schemas.microsoft.com/office/powerpoint/2010/main" xmlns:com="http://schemas.openxmlformats.org/drawingml/2006/compatibility" xmlns:pvml="urn:schemas-microsoft-com:office:powerpoint" xmlns:v="urn:schemas-microsoft-com:vml" xmlns:o="urn:schemas-microsoft-com:office:office" xmlns:dgm="http://schemas.openxmlformats.org/drawingml/2006/diagram" xmlns:c="http://schemas.openxmlformats.org/drawingml/2006/chart" xmlns:mv="urn:schemas-microsoft-com:mac:vml" xmlns:mc="http://schemas.openxmlformats.org/markup-compatibility/2006" xmlns="" r:id="rId17" roundtripDataSignature="AMtx7mj+kIL44ryMi9kYpANJZEcy+ov0Hw=="/>
     </p:ext>
   </p:extLst>
 </p:presentation>
@@ -39098,25 +39098,7 @@
                 </a:solidFill>
                 <a:latin typeface="+mn-lt"/>
               </a:rPr>
-              <a:t>A iluminação inteligente fornece diversas </a:t>
-            </a:r>
-            <a:r>
-              <a:rPr lang="pt-BR" sz="1800" dirty="0" err="1">
-                <a:solidFill>
-                  <a:srgbClr val="F2F2F2"/>
-                </a:solidFill>
-                <a:latin typeface="+mn-lt"/>
-              </a:rPr>
-              <a:t>econômias</a:t>
-            </a:r>
-            <a:r>
-              <a:rPr lang="pt-BR" sz="1800" dirty="0">
-                <a:solidFill>
-                  <a:srgbClr val="F2F2F2"/>
-                </a:solidFill>
-                <a:latin typeface="+mn-lt"/>
-              </a:rPr>
-              <a:t>, tem uma maior eficiência enérgica, em comparação com outras lâmpadas utilizadas, existe uma economia de 49,39% no consumo, redução de 84% de emissão de gás carbônico. Também, não excede a quantidade de luz recomendada para plantas </a:t>
+              <a:t>A iluminação inteligente fornece diversas economias, tem uma maior eficiência enérgica, em comparação com outras lâmpadas utilizadas, existe uma economia de 49,39% no consumo, redução de 84% de emissão de gás carbônico. Também, não excede a quantidade de luz recomendada para plantas </a:t>
             </a:r>
           </a:p>
           <a:p>
